--- a/project_proposal_v1.pptx
+++ b/project_proposal_v1.pptx
@@ -13,8 +13,8 @@
   <p:sldIdLst>
     <p:sldId id="256" r:id="rId2"/>
     <p:sldId id="636" r:id="rId3"/>
-    <p:sldId id="638" r:id="rId4"/>
-    <p:sldId id="640" r:id="rId5"/>
+    <p:sldId id="640" r:id="rId4"/>
+    <p:sldId id="638" r:id="rId5"/>
     <p:sldId id="641" r:id="rId6"/>
     <p:sldId id="637" r:id="rId7"/>
   </p:sldIdLst>
@@ -235,7 +235,7 @@
           <a:p>
             <a:fld id="{21B18C38-6F7E-400E-92F0-B4ED68ECCB04}" type="datetimeFigureOut">
               <a:rPr lang="pt-BR" smtClean="0"/>
-              <a:t>13/07/2017</a:t>
+              <a:t>14/07/2017</a:t>
             </a:fld>
             <a:endParaRPr lang="pt-BR"/>
           </a:p>
@@ -401,7 +401,7 @@
           <a:p>
             <a:fld id="{F659DE8A-2E35-4226-B726-1CFE5C1A8FC5}" type="datetimeFigureOut">
               <a:rPr lang="pt-BR" smtClean="0"/>
-              <a:t>13/07/2017</a:t>
+              <a:t>14/07/2017</a:t>
             </a:fld>
             <a:endParaRPr lang="pt-BR"/>
           </a:p>
@@ -903,7 +903,7 @@
           <a:p>
             <a:fld id="{89469B4D-473B-4D3F-8559-35D0BD682D7E}" type="slidenum">
               <a:rPr lang="pt-BR" smtClean="0"/>
-              <a:t>3</a:t>
+              <a:t>4</a:t>
             </a:fld>
             <a:endParaRPr lang="pt-BR"/>
           </a:p>
@@ -1156,7 +1156,7 @@
           <a:p>
             <a:fld id="{3F520D30-76BC-4FB1-BA20-B8593C319728}" type="datetime1">
               <a:rPr lang="pt-BR" smtClean="0"/>
-              <a:t>13/07/2017</a:t>
+              <a:t>14/07/2017</a:t>
             </a:fld>
             <a:endParaRPr lang="pt-BR"/>
           </a:p>
@@ -1367,7 +1367,7 @@
           <a:p>
             <a:fld id="{610C8B92-2234-4577-8763-C522ED27BFAC}" type="datetime1">
               <a:rPr lang="pt-BR" smtClean="0"/>
-              <a:t>13/07/2017</a:t>
+              <a:t>14/07/2017</a:t>
             </a:fld>
             <a:endParaRPr lang="pt-BR"/>
           </a:p>
@@ -1626,7 +1626,7 @@
           <a:p>
             <a:fld id="{39965E88-5E53-4A1D-81A5-9C5D85AD5F26}" type="datetime1">
               <a:rPr lang="pt-BR" smtClean="0"/>
-              <a:t>13/07/2017</a:t>
+              <a:t>14/07/2017</a:t>
             </a:fld>
             <a:endParaRPr lang="pt-BR"/>
           </a:p>
@@ -1851,7 +1851,7 @@
           <a:p>
             <a:fld id="{2DE6E407-1B7B-469E-A701-2838AAF62633}" type="datetime1">
               <a:rPr lang="pt-BR" smtClean="0"/>
-              <a:t>13/07/2017</a:t>
+              <a:t>14/07/2017</a:t>
             </a:fld>
             <a:endParaRPr lang="pt-BR" dirty="0"/>
           </a:p>
@@ -2130,7 +2130,7 @@
           <a:p>
             <a:fld id="{C37B1BAE-9409-408F-812B-868AEB428EF1}" type="datetime1">
               <a:rPr lang="pt-BR" smtClean="0"/>
-              <a:t>13/07/2017</a:t>
+              <a:t>14/07/2017</a:t>
             </a:fld>
             <a:endParaRPr lang="pt-BR" dirty="0"/>
           </a:p>
@@ -2498,7 +2498,7 @@
           <a:p>
             <a:fld id="{5BBB3176-37A8-43C4-AA40-EB4C5F1FA331}" type="datetime1">
               <a:rPr lang="pt-BR" smtClean="0"/>
-              <a:t>13/07/2017</a:t>
+              <a:t>14/07/2017</a:t>
             </a:fld>
             <a:endParaRPr lang="pt-BR" dirty="0"/>
           </a:p>
@@ -2970,7 +2970,7 @@
           <a:p>
             <a:fld id="{63391F75-2C42-4C29-A6CF-63F77687D261}" type="datetime1">
               <a:rPr lang="pt-BR" smtClean="0"/>
-              <a:t>13/07/2017</a:t>
+              <a:t>14/07/2017</a:t>
             </a:fld>
             <a:endParaRPr lang="pt-BR"/>
           </a:p>
@@ -3111,7 +3111,7 @@
           <a:p>
             <a:fld id="{502B9399-4F18-43FF-BA36-83A8F6F928ED}" type="datetime1">
               <a:rPr lang="pt-BR" smtClean="0"/>
-              <a:t>13/07/2017</a:t>
+              <a:t>14/07/2017</a:t>
             </a:fld>
             <a:endParaRPr lang="pt-BR"/>
           </a:p>
@@ -3218,7 +3218,7 @@
           <a:p>
             <a:fld id="{8D776C5D-C7A6-4E12-A2F2-FDFDA0FE9AB2}" type="datetime1">
               <a:rPr lang="pt-BR" smtClean="0"/>
-              <a:t>13/07/2017</a:t>
+              <a:t>14/07/2017</a:t>
             </a:fld>
             <a:endParaRPr lang="pt-BR"/>
           </a:p>
@@ -3575,7 +3575,7 @@
           <a:p>
             <a:fld id="{F3E9FAA8-59A2-43FE-82D8-6CBBE893A335}" type="datetime1">
               <a:rPr lang="pt-BR" smtClean="0"/>
-              <a:t>13/07/2017</a:t>
+              <a:t>14/07/2017</a:t>
             </a:fld>
             <a:endParaRPr lang="pt-BR"/>
           </a:p>
@@ -3955,7 +3955,7 @@
           <a:p>
             <a:fld id="{30EA4F82-9A94-48CA-BCBA-B403CA12CA57}" type="datetime1">
               <a:rPr lang="pt-BR" smtClean="0"/>
-              <a:t>13/07/2017</a:t>
+              <a:t>14/07/2017</a:t>
             </a:fld>
             <a:endParaRPr lang="pt-BR"/>
           </a:p>
@@ -4169,7 +4169,7 @@
           <a:p>
             <a:fld id="{88B079A6-3BFB-4AAC-B3E7-7329381899D7}" type="datetime1">
               <a:rPr lang="pt-BR" smtClean="0"/>
-              <a:t>13/07/2017</a:t>
+              <a:t>14/07/2017</a:t>
             </a:fld>
             <a:endParaRPr lang="pt-BR"/>
           </a:p>
@@ -4796,20 +4796,20 @@
             </p:custDataLst>
             <p:extLst>
               <p:ext uri="{D42A27DB-BD31-4B8C-83A1-F6EECF244321}">
-                <p14:modId xmlns:p14="http://schemas.microsoft.com/office/powerpoint/2010/main" val="1034561023"/>
+                <p14:modId xmlns:p14="http://schemas.microsoft.com/office/powerpoint/2010/main" val="3978679294"/>
               </p:ext>
             </p:extLst>
           </p:nvPr>
         </p:nvGraphicFramePr>
         <p:xfrm>
-          <a:off x="265741" y="171475"/>
+          <a:off x="435113" y="171474"/>
           <a:ext cx="1055532" cy="1200125"/>
         </p:xfrm>
         <a:graphic>
           <a:graphicData uri="http://schemas.openxmlformats.org/presentationml/2006/ole">
             <mc:AlternateContent xmlns:mc="http://schemas.openxmlformats.org/markup-compatibility/2006">
               <mc:Choice xmlns:v="urn:schemas-microsoft-com:vml" Requires="v">
-                <p:oleObj spid="_x0000_s1529" r:id="rId5" imgW="3696216" imgH="4342857" progId="">
+                <p:oleObj spid="_x0000_s1538" r:id="rId5" imgW="3696216" imgH="4342857" progId="">
                   <p:embed/>
                 </p:oleObj>
               </mc:Choice>
@@ -4839,7 +4839,7 @@
                     </p:blipFill>
                     <p:spPr bwMode="auto">
                       <a:xfrm>
-                        <a:off x="265741" y="171475"/>
+                        <a:off x="435113" y="171474"/>
                         <a:ext cx="1055532" cy="1200125"/>
                       </a:xfrm>
                       <a:prstGeom prst="rect">
@@ -4863,7 +4863,7 @@
           </p:cNvPicPr>
           <p:nvPr/>
         </p:nvPicPr>
-        <p:blipFill>
+        <p:blipFill rotWithShape="1">
           <a:blip r:embed="rId7">
             <a:extLst>
               <a:ext uri="{28A0092B-C50C-407E-A947-70E740481C1C}">
@@ -4871,15 +4871,13 @@
               </a:ext>
             </a:extLst>
           </a:blip>
-          <a:srcRect/>
-          <a:stretch>
-            <a:fillRect/>
-          </a:stretch>
+          <a:srcRect l="4295" t="32222" r="3658" b="30507"/>
+          <a:stretch/>
         </p:blipFill>
         <p:spPr bwMode="auto">
           <a:xfrm>
-            <a:off x="9976589" y="171475"/>
-            <a:ext cx="1905000" cy="1905000"/>
+            <a:off x="9976589" y="416534"/>
+            <a:ext cx="1753497" cy="710006"/>
           </a:xfrm>
           <a:prstGeom prst="rect">
             <a:avLst/>
@@ -4999,8 +4997,8 @@
         </p:nvSpPr>
         <p:spPr>
           <a:xfrm>
-            <a:off x="1043530" y="2009682"/>
-            <a:ext cx="10058400" cy="2734257"/>
+            <a:off x="1000500" y="2420471"/>
+            <a:ext cx="10058400" cy="1559675"/>
           </a:xfrm>
         </p:spPr>
         <p:txBody>
@@ -5042,119 +5040,6 @@
 </file>
 
 <file path=ppt/slides/slide3.xml><?xml version="1.0" encoding="utf-8"?>
-<p:sld xmlns:a="http://schemas.openxmlformats.org/drawingml/2006/main" xmlns:r="http://schemas.openxmlformats.org/officeDocument/2006/relationships" xmlns:p="http://schemas.openxmlformats.org/presentationml/2006/main" showMasterSp="0">
-  <p:cSld>
-    <p:spTree>
-      <p:nvGrpSpPr>
-        <p:cNvPr id="1" name=""/>
-        <p:cNvGrpSpPr/>
-        <p:nvPr/>
-      </p:nvGrpSpPr>
-      <p:grpSpPr>
-        <a:xfrm>
-          <a:off x="0" y="0"/>
-          <a:ext cx="0" cy="0"/>
-          <a:chOff x="0" y="0"/>
-          <a:chExt cx="0" cy="0"/>
-        </a:xfrm>
-      </p:grpSpPr>
-      <p:pic>
-        <p:nvPicPr>
-          <p:cNvPr id="5" name="Picture 4"/>
-          <p:cNvPicPr>
-            <a:picLocks noChangeAspect="1"/>
-          </p:cNvPicPr>
-          <p:nvPr/>
-        </p:nvPicPr>
-        <p:blipFill rotWithShape="1">
-          <a:blip r:embed="rId3"/>
-          <a:srcRect l="1250" t="635" r="1351" b="1755"/>
-          <a:stretch/>
-        </p:blipFill>
-        <p:spPr>
-          <a:xfrm>
-            <a:off x="2926080" y="1757686"/>
-            <a:ext cx="6400799" cy="3896139"/>
-          </a:xfrm>
-          <a:prstGeom prst="rect">
-            <a:avLst/>
-          </a:prstGeom>
-        </p:spPr>
-      </p:pic>
-      <p:sp>
-        <p:nvSpPr>
-          <p:cNvPr id="6" name="Title 3"/>
-          <p:cNvSpPr txBox="1">
-            <a:spLocks/>
-          </p:cNvSpPr>
-          <p:nvPr/>
-        </p:nvSpPr>
-        <p:spPr>
-          <a:xfrm>
-            <a:off x="1097280" y="524109"/>
-            <a:ext cx="10058400" cy="970697"/>
-          </a:xfrm>
-          <a:prstGeom prst="rect">
-            <a:avLst/>
-          </a:prstGeom>
-        </p:spPr>
-        <p:txBody>
-          <a:bodyPr vert="horz" lIns="91440" tIns="45720" rIns="91440" bIns="45720" rtlCol="0" anchor="b">
-            <a:normAutofit/>
-          </a:bodyPr>
-          <a:lstStyle>
-            <a:lvl1pPr algn="l" defTabSz="914400" rtl="0" eaLnBrk="1" latinLnBrk="0" hangingPunct="1">
-              <a:lnSpc>
-                <a:spcPct val="85000"/>
-              </a:lnSpc>
-              <a:spcBef>
-                <a:spcPct val="0"/>
-              </a:spcBef>
-              <a:buNone/>
-              <a:defRPr sz="4800" kern="1200" spc="-50" baseline="0">
-                <a:solidFill>
-                  <a:schemeClr val="tx1">
-                    <a:lumMod val="75000"/>
-                    <a:lumOff val="25000"/>
-                  </a:schemeClr>
-                </a:solidFill>
-                <a:latin typeface="+mj-lt"/>
-                <a:ea typeface="+mj-ea"/>
-                <a:cs typeface="+mj-cs"/>
-              </a:defRPr>
-            </a:lvl1pPr>
-          </a:lstStyle>
-          <a:p>
-            <a:pPr>
-              <a:lnSpc>
-                <a:spcPct val="110000"/>
-              </a:lnSpc>
-            </a:pPr>
-            <a:r>
-              <a:rPr lang="pt-BR" sz="3600" b="1" dirty="0">
-                <a:solidFill>
-                  <a:schemeClr val="tx1"/>
-                </a:solidFill>
-              </a:rPr>
-              <a:t>Cenário de Aplicação</a:t>
-            </a:r>
-          </a:p>
-        </p:txBody>
-      </p:sp>
-    </p:spTree>
-    <p:extLst>
-      <p:ext uri="{BB962C8B-B14F-4D97-AF65-F5344CB8AC3E}">
-        <p14:creationId xmlns:p14="http://schemas.microsoft.com/office/powerpoint/2010/main" val="1179975982"/>
-      </p:ext>
-    </p:extLst>
-  </p:cSld>
-  <p:clrMapOvr>
-    <a:masterClrMapping/>
-  </p:clrMapOvr>
-</p:sld>
-</file>
-
-<file path=ppt/slides/slide4.xml><?xml version="1.0" encoding="utf-8"?>
 <p:sld xmlns:a="http://schemas.openxmlformats.org/drawingml/2006/main" xmlns:r="http://schemas.openxmlformats.org/officeDocument/2006/relationships" xmlns:p="http://schemas.openxmlformats.org/presentationml/2006/main">
   <p:cSld>
     <p:spTree>
@@ -5694,6 +5579,119 @@
 </p:sld>
 </file>
 
+<file path=ppt/slides/slide4.xml><?xml version="1.0" encoding="utf-8"?>
+<p:sld xmlns:a="http://schemas.openxmlformats.org/drawingml/2006/main" xmlns:r="http://schemas.openxmlformats.org/officeDocument/2006/relationships" xmlns:p="http://schemas.openxmlformats.org/presentationml/2006/main" showMasterSp="0">
+  <p:cSld>
+    <p:spTree>
+      <p:nvGrpSpPr>
+        <p:cNvPr id="1" name=""/>
+        <p:cNvGrpSpPr/>
+        <p:nvPr/>
+      </p:nvGrpSpPr>
+      <p:grpSpPr>
+        <a:xfrm>
+          <a:off x="0" y="0"/>
+          <a:ext cx="0" cy="0"/>
+          <a:chOff x="0" y="0"/>
+          <a:chExt cx="0" cy="0"/>
+        </a:xfrm>
+      </p:grpSpPr>
+      <p:pic>
+        <p:nvPicPr>
+          <p:cNvPr id="5" name="Picture 4"/>
+          <p:cNvPicPr>
+            <a:picLocks noChangeAspect="1"/>
+          </p:cNvPicPr>
+          <p:nvPr/>
+        </p:nvPicPr>
+        <p:blipFill rotWithShape="1">
+          <a:blip r:embed="rId3"/>
+          <a:srcRect l="1250" t="635" r="1351" b="1755"/>
+          <a:stretch/>
+        </p:blipFill>
+        <p:spPr>
+          <a:xfrm>
+            <a:off x="2926080" y="1757686"/>
+            <a:ext cx="6400799" cy="3896139"/>
+          </a:xfrm>
+          <a:prstGeom prst="rect">
+            <a:avLst/>
+          </a:prstGeom>
+        </p:spPr>
+      </p:pic>
+      <p:sp>
+        <p:nvSpPr>
+          <p:cNvPr id="6" name="Title 3"/>
+          <p:cNvSpPr txBox="1">
+            <a:spLocks/>
+          </p:cNvSpPr>
+          <p:nvPr/>
+        </p:nvSpPr>
+        <p:spPr>
+          <a:xfrm>
+            <a:off x="1097280" y="524109"/>
+            <a:ext cx="10058400" cy="970697"/>
+          </a:xfrm>
+          <a:prstGeom prst="rect">
+            <a:avLst/>
+          </a:prstGeom>
+        </p:spPr>
+        <p:txBody>
+          <a:bodyPr vert="horz" lIns="91440" tIns="45720" rIns="91440" bIns="45720" rtlCol="0" anchor="b">
+            <a:normAutofit/>
+          </a:bodyPr>
+          <a:lstStyle>
+            <a:lvl1pPr algn="l" defTabSz="914400" rtl="0" eaLnBrk="1" latinLnBrk="0" hangingPunct="1">
+              <a:lnSpc>
+                <a:spcPct val="85000"/>
+              </a:lnSpc>
+              <a:spcBef>
+                <a:spcPct val="0"/>
+              </a:spcBef>
+              <a:buNone/>
+              <a:defRPr sz="4800" kern="1200" spc="-50" baseline="0">
+                <a:solidFill>
+                  <a:schemeClr val="tx1">
+                    <a:lumMod val="75000"/>
+                    <a:lumOff val="25000"/>
+                  </a:schemeClr>
+                </a:solidFill>
+                <a:latin typeface="+mj-lt"/>
+                <a:ea typeface="+mj-ea"/>
+                <a:cs typeface="+mj-cs"/>
+              </a:defRPr>
+            </a:lvl1pPr>
+          </a:lstStyle>
+          <a:p>
+            <a:pPr>
+              <a:lnSpc>
+                <a:spcPct val="110000"/>
+              </a:lnSpc>
+            </a:pPr>
+            <a:r>
+              <a:rPr lang="pt-BR" sz="3600" b="1" dirty="0">
+                <a:solidFill>
+                  <a:schemeClr val="tx1"/>
+                </a:solidFill>
+              </a:rPr>
+              <a:t>Cenário de Aplicação</a:t>
+            </a:r>
+          </a:p>
+        </p:txBody>
+      </p:sp>
+    </p:spTree>
+    <p:extLst>
+      <p:ext uri="{BB962C8B-B14F-4D97-AF65-F5344CB8AC3E}">
+        <p14:creationId xmlns:p14="http://schemas.microsoft.com/office/powerpoint/2010/main" val="1179975982"/>
+      </p:ext>
+    </p:extLst>
+  </p:cSld>
+  <p:clrMapOvr>
+    <a:masterClrMapping/>
+  </p:clrMapOvr>
+</p:sld>
+</file>
+
 <file path=ppt/slides/slide5.xml><?xml version="1.0" encoding="utf-8"?>
 <p:sld xmlns:a="http://schemas.openxmlformats.org/drawingml/2006/main" xmlns:r="http://schemas.openxmlformats.org/officeDocument/2006/relationships" xmlns:p="http://schemas.openxmlformats.org/presentationml/2006/main">
   <p:cSld>
@@ -5794,7 +5792,7 @@
         </p:blipFill>
         <p:spPr>
           <a:xfrm>
-            <a:off x="6337514" y="0"/>
+            <a:off x="6563419" y="0"/>
             <a:ext cx="4137987" cy="6858000"/>
           </a:xfrm>
           <a:prstGeom prst="rect">
@@ -5918,861 +5916,6 @@
               </a:lnSpc>
             </a:pPr>
             <a:endParaRPr lang="pt-BR" sz="3600" b="1" dirty="0">
-              <a:solidFill>
-                <a:schemeClr val="tx1"/>
-              </a:solidFill>
-            </a:endParaRPr>
-          </a:p>
-        </p:txBody>
-      </p:sp>
-      <p:sp>
-        <p:nvSpPr>
-          <p:cNvPr id="7" name="Rectangle 6"/>
-          <p:cNvSpPr/>
-          <p:nvPr/>
-        </p:nvSpPr>
-        <p:spPr>
-          <a:xfrm>
-            <a:off x="4470470" y="1384479"/>
-            <a:ext cx="1455313" cy="914400"/>
-          </a:xfrm>
-          <a:prstGeom prst="rect">
-            <a:avLst/>
-          </a:prstGeom>
-          <a:noFill/>
-        </p:spPr>
-        <p:style>
-          <a:lnRef idx="2">
-            <a:schemeClr val="accent1">
-              <a:shade val="50000"/>
-            </a:schemeClr>
-          </a:lnRef>
-          <a:fillRef idx="1">
-            <a:schemeClr val="accent1"/>
-          </a:fillRef>
-          <a:effectRef idx="0">
-            <a:schemeClr val="accent1"/>
-          </a:effectRef>
-          <a:fontRef idx="minor">
-            <a:schemeClr val="lt1"/>
-          </a:fontRef>
-        </p:style>
-        <p:txBody>
-          <a:bodyPr rtlCol="0" anchor="ctr"/>
-          <a:lstStyle/>
-          <a:p>
-            <a:pPr algn="ctr"/>
-            <a:r>
-              <a:rPr lang="en-US" dirty="0">
-                <a:solidFill>
-                  <a:schemeClr val="tx1"/>
-                </a:solidFill>
-              </a:rPr>
-              <a:t>VANT</a:t>
-            </a:r>
-          </a:p>
-        </p:txBody>
-      </p:sp>
-      <p:sp>
-        <p:nvSpPr>
-          <p:cNvPr id="8" name="Rectangle 7"/>
-          <p:cNvSpPr/>
-          <p:nvPr/>
-        </p:nvSpPr>
-        <p:spPr>
-          <a:xfrm>
-            <a:off x="5387984" y="3840478"/>
-            <a:ext cx="1444580" cy="914400"/>
-          </a:xfrm>
-          <a:prstGeom prst="rect">
-            <a:avLst/>
-          </a:prstGeom>
-          <a:noFill/>
-        </p:spPr>
-        <p:style>
-          <a:lnRef idx="2">
-            <a:schemeClr val="accent1">
-              <a:shade val="50000"/>
-            </a:schemeClr>
-          </a:lnRef>
-          <a:fillRef idx="1">
-            <a:schemeClr val="accent1"/>
-          </a:fillRef>
-          <a:effectRef idx="0">
-            <a:schemeClr val="accent1"/>
-          </a:effectRef>
-          <a:fontRef idx="minor">
-            <a:schemeClr val="lt1"/>
-          </a:fontRef>
-        </p:style>
-        <p:txBody>
-          <a:bodyPr rtlCol="0" anchor="ctr"/>
-          <a:lstStyle/>
-          <a:p>
-            <a:pPr algn="ctr"/>
-            <a:r>
-              <a:rPr lang="en-US" dirty="0">
-                <a:solidFill>
-                  <a:schemeClr val="tx1"/>
-                </a:solidFill>
-              </a:rPr>
-              <a:t>Smartphone</a:t>
-            </a:r>
-          </a:p>
-        </p:txBody>
-      </p:sp>
-      <p:sp>
-        <p:nvSpPr>
-          <p:cNvPr id="9" name="Rectangle 8"/>
-          <p:cNvSpPr/>
-          <p:nvPr/>
-        </p:nvSpPr>
-        <p:spPr>
-          <a:xfrm>
-            <a:off x="5669280" y="5599307"/>
-            <a:ext cx="914400" cy="914400"/>
-          </a:xfrm>
-          <a:prstGeom prst="rect">
-            <a:avLst/>
-          </a:prstGeom>
-          <a:noFill/>
-        </p:spPr>
-        <p:style>
-          <a:lnRef idx="2">
-            <a:schemeClr val="accent1">
-              <a:shade val="50000"/>
-            </a:schemeClr>
-          </a:lnRef>
-          <a:fillRef idx="1">
-            <a:schemeClr val="accent1"/>
-          </a:fillRef>
-          <a:effectRef idx="0">
-            <a:schemeClr val="accent1"/>
-          </a:effectRef>
-          <a:fontRef idx="minor">
-            <a:schemeClr val="lt1"/>
-          </a:fontRef>
-        </p:style>
-        <p:txBody>
-          <a:bodyPr rtlCol="0" anchor="ctr"/>
-          <a:lstStyle/>
-          <a:p>
-            <a:pPr algn="ctr"/>
-            <a:r>
-              <a:rPr lang="en-US" dirty="0" err="1">
-                <a:solidFill>
-                  <a:schemeClr val="tx1"/>
-                </a:solidFill>
-              </a:rPr>
-              <a:t>Missão</a:t>
-            </a:r>
-            <a:endParaRPr lang="en-US" dirty="0">
-              <a:solidFill>
-                <a:schemeClr val="tx1"/>
-              </a:solidFill>
-            </a:endParaRPr>
-          </a:p>
-        </p:txBody>
-      </p:sp>
-      <p:sp>
-        <p:nvSpPr>
-          <p:cNvPr id="10" name="Rectangle 9"/>
-          <p:cNvSpPr/>
-          <p:nvPr/>
-        </p:nvSpPr>
-        <p:spPr>
-          <a:xfrm>
-            <a:off x="4992066" y="2446986"/>
-            <a:ext cx="412123" cy="296214"/>
-          </a:xfrm>
-          <a:prstGeom prst="rect">
-            <a:avLst/>
-          </a:prstGeom>
-          <a:noFill/>
-        </p:spPr>
-        <p:style>
-          <a:lnRef idx="2">
-            <a:schemeClr val="accent1">
-              <a:shade val="50000"/>
-            </a:schemeClr>
-          </a:lnRef>
-          <a:fillRef idx="1">
-            <a:schemeClr val="accent1"/>
-          </a:fillRef>
-          <a:effectRef idx="0">
-            <a:schemeClr val="accent1"/>
-          </a:effectRef>
-          <a:fontRef idx="minor">
-            <a:schemeClr val="lt1"/>
-          </a:fontRef>
-        </p:style>
-        <p:txBody>
-          <a:bodyPr rtlCol="0" anchor="ctr"/>
-          <a:lstStyle/>
-          <a:p>
-            <a:pPr algn="ctr"/>
-            <a:r>
-              <a:rPr lang="en-US" sz="1100" dirty="0" err="1">
-                <a:solidFill>
-                  <a:schemeClr val="tx1"/>
-                </a:solidFill>
-              </a:rPr>
-              <a:t>RPi</a:t>
-            </a:r>
-            <a:endParaRPr lang="en-US" sz="1400" dirty="0">
-              <a:solidFill>
-                <a:schemeClr val="tx1"/>
-              </a:solidFill>
-            </a:endParaRPr>
-          </a:p>
-        </p:txBody>
-      </p:sp>
-      <p:sp>
-        <p:nvSpPr>
-          <p:cNvPr id="11" name="Rectangle 10"/>
-          <p:cNvSpPr/>
-          <p:nvPr/>
-        </p:nvSpPr>
-        <p:spPr>
-          <a:xfrm>
-            <a:off x="6256661" y="1384479"/>
-            <a:ext cx="1455313" cy="914400"/>
-          </a:xfrm>
-          <a:prstGeom prst="rect">
-            <a:avLst/>
-          </a:prstGeom>
-          <a:noFill/>
-        </p:spPr>
-        <p:style>
-          <a:lnRef idx="2">
-            <a:schemeClr val="accent1">
-              <a:shade val="50000"/>
-            </a:schemeClr>
-          </a:lnRef>
-          <a:fillRef idx="1">
-            <a:schemeClr val="accent1"/>
-          </a:fillRef>
-          <a:effectRef idx="0">
-            <a:schemeClr val="accent1"/>
-          </a:effectRef>
-          <a:fontRef idx="minor">
-            <a:schemeClr val="lt1"/>
-          </a:fontRef>
-        </p:style>
-        <p:txBody>
-          <a:bodyPr rtlCol="0" anchor="ctr"/>
-          <a:lstStyle/>
-          <a:p>
-            <a:pPr algn="ctr"/>
-            <a:r>
-              <a:rPr lang="en-US" dirty="0">
-                <a:solidFill>
-                  <a:schemeClr val="tx1"/>
-                </a:solidFill>
-              </a:rPr>
-              <a:t>VANT</a:t>
-            </a:r>
-          </a:p>
-        </p:txBody>
-      </p:sp>
-      <p:sp>
-        <p:nvSpPr>
-          <p:cNvPr id="12" name="Rectangle 11"/>
-          <p:cNvSpPr/>
-          <p:nvPr/>
-        </p:nvSpPr>
-        <p:spPr>
-          <a:xfrm>
-            <a:off x="6778257" y="2446986"/>
-            <a:ext cx="412123" cy="296214"/>
-          </a:xfrm>
-          <a:prstGeom prst="rect">
-            <a:avLst/>
-          </a:prstGeom>
-          <a:noFill/>
-        </p:spPr>
-        <p:style>
-          <a:lnRef idx="2">
-            <a:schemeClr val="accent1">
-              <a:shade val="50000"/>
-            </a:schemeClr>
-          </a:lnRef>
-          <a:fillRef idx="1">
-            <a:schemeClr val="accent1"/>
-          </a:fillRef>
-          <a:effectRef idx="0">
-            <a:schemeClr val="accent1"/>
-          </a:effectRef>
-          <a:fontRef idx="minor">
-            <a:schemeClr val="lt1"/>
-          </a:fontRef>
-        </p:style>
-        <p:txBody>
-          <a:bodyPr rtlCol="0" anchor="ctr"/>
-          <a:lstStyle/>
-          <a:p>
-            <a:pPr algn="ctr"/>
-            <a:r>
-              <a:rPr lang="en-US" sz="1100" dirty="0" err="1">
-                <a:solidFill>
-                  <a:schemeClr val="tx1"/>
-                </a:solidFill>
-              </a:rPr>
-              <a:t>RPi</a:t>
-            </a:r>
-            <a:endParaRPr lang="en-US" sz="1400" dirty="0">
-              <a:solidFill>
-                <a:schemeClr val="tx1"/>
-              </a:solidFill>
-            </a:endParaRPr>
-          </a:p>
-        </p:txBody>
-      </p:sp>
-      <p:sp>
-        <p:nvSpPr>
-          <p:cNvPr id="14" name="Rectangle 13"/>
-          <p:cNvSpPr/>
-          <p:nvPr/>
-        </p:nvSpPr>
-        <p:spPr>
-          <a:xfrm>
-            <a:off x="6956088" y="5599307"/>
-            <a:ext cx="914400" cy="914400"/>
-          </a:xfrm>
-          <a:prstGeom prst="rect">
-            <a:avLst/>
-          </a:prstGeom>
-          <a:noFill/>
-        </p:spPr>
-        <p:style>
-          <a:lnRef idx="2">
-            <a:schemeClr val="accent1">
-              <a:shade val="50000"/>
-            </a:schemeClr>
-          </a:lnRef>
-          <a:fillRef idx="1">
-            <a:schemeClr val="accent1"/>
-          </a:fillRef>
-          <a:effectRef idx="0">
-            <a:schemeClr val="accent1"/>
-          </a:effectRef>
-          <a:fontRef idx="minor">
-            <a:schemeClr val="lt1"/>
-          </a:fontRef>
-        </p:style>
-        <p:txBody>
-          <a:bodyPr rtlCol="0" anchor="ctr"/>
-          <a:lstStyle/>
-          <a:p>
-            <a:pPr algn="ctr"/>
-            <a:r>
-              <a:rPr lang="en-US" dirty="0">
-                <a:solidFill>
-                  <a:schemeClr val="tx1"/>
-                </a:solidFill>
-              </a:rPr>
-              <a:t>PC</a:t>
-            </a:r>
-          </a:p>
-        </p:txBody>
-      </p:sp>
-      <p:cxnSp>
-        <p:nvCxnSpPr>
-          <p:cNvPr id="16" name="Straight Arrow Connector 15"/>
-          <p:cNvCxnSpPr>
-            <a:stCxn id="14" idx="1"/>
-            <a:endCxn id="9" idx="3"/>
-          </p:cNvCxnSpPr>
-          <p:nvPr/>
-        </p:nvCxnSpPr>
-        <p:spPr>
-          <a:xfrm flipH="1">
-            <a:off x="6583680" y="6056507"/>
-            <a:ext cx="372408" cy="0"/>
-          </a:xfrm>
-          <a:prstGeom prst="straightConnector1">
-            <a:avLst/>
-          </a:prstGeom>
-          <a:ln w="25400">
-            <a:solidFill>
-              <a:schemeClr val="tx1"/>
-            </a:solidFill>
-            <a:tailEnd type="triangle"/>
-          </a:ln>
-        </p:spPr>
-        <p:style>
-          <a:lnRef idx="1">
-            <a:schemeClr val="accent1"/>
-          </a:lnRef>
-          <a:fillRef idx="0">
-            <a:schemeClr val="accent1"/>
-          </a:fillRef>
-          <a:effectRef idx="0">
-            <a:schemeClr val="accent1"/>
-          </a:effectRef>
-          <a:fontRef idx="minor">
-            <a:schemeClr val="tx1"/>
-          </a:fontRef>
-        </p:style>
-      </p:cxnSp>
-      <p:cxnSp>
-        <p:nvCxnSpPr>
-          <p:cNvPr id="18" name="Straight Arrow Connector 17"/>
-          <p:cNvCxnSpPr>
-            <a:stCxn id="9" idx="0"/>
-            <a:endCxn id="8" idx="2"/>
-          </p:cNvCxnSpPr>
-          <p:nvPr/>
-        </p:nvCxnSpPr>
-        <p:spPr>
-          <a:xfrm flipH="1" flipV="1">
-            <a:off x="6110274" y="4754878"/>
-            <a:ext cx="16206" cy="844429"/>
-          </a:xfrm>
-          <a:prstGeom prst="straightConnector1">
-            <a:avLst/>
-          </a:prstGeom>
-          <a:ln w="25400">
-            <a:solidFill>
-              <a:schemeClr val="tx1"/>
-            </a:solidFill>
-            <a:tailEnd type="triangle"/>
-          </a:ln>
-        </p:spPr>
-        <p:style>
-          <a:lnRef idx="1">
-            <a:schemeClr val="accent1"/>
-          </a:lnRef>
-          <a:fillRef idx="0">
-            <a:schemeClr val="accent1"/>
-          </a:fillRef>
-          <a:effectRef idx="0">
-            <a:schemeClr val="accent1"/>
-          </a:effectRef>
-          <a:fontRef idx="minor">
-            <a:schemeClr val="tx1"/>
-          </a:fontRef>
-        </p:style>
-      </p:cxnSp>
-      <p:cxnSp>
-        <p:nvCxnSpPr>
-          <p:cNvPr id="20" name="Straight Arrow Connector 19"/>
-          <p:cNvCxnSpPr>
-            <a:cxnSpLocks/>
-            <a:stCxn id="8" idx="0"/>
-            <a:endCxn id="10" idx="2"/>
-          </p:cNvCxnSpPr>
-          <p:nvPr/>
-        </p:nvCxnSpPr>
-        <p:spPr>
-          <a:xfrm flipH="1" flipV="1">
-            <a:off x="5198128" y="2743200"/>
-            <a:ext cx="912146" cy="1097278"/>
-          </a:xfrm>
-          <a:prstGeom prst="straightConnector1">
-            <a:avLst/>
-          </a:prstGeom>
-          <a:ln w="25400">
-            <a:solidFill>
-              <a:schemeClr val="tx1"/>
-            </a:solidFill>
-            <a:headEnd type="triangle" w="med" len="med"/>
-            <a:tailEnd type="triangle" w="med" len="med"/>
-          </a:ln>
-        </p:spPr>
-        <p:style>
-          <a:lnRef idx="1">
-            <a:schemeClr val="accent1"/>
-          </a:lnRef>
-          <a:fillRef idx="0">
-            <a:schemeClr val="accent1"/>
-          </a:fillRef>
-          <a:effectRef idx="0">
-            <a:schemeClr val="accent1"/>
-          </a:effectRef>
-          <a:fontRef idx="minor">
-            <a:schemeClr val="tx1"/>
-          </a:fontRef>
-        </p:style>
-      </p:cxnSp>
-      <p:cxnSp>
-        <p:nvCxnSpPr>
-          <p:cNvPr id="22" name="Straight Arrow Connector 21"/>
-          <p:cNvCxnSpPr>
-            <a:cxnSpLocks/>
-            <a:stCxn id="8" idx="0"/>
-            <a:endCxn id="12" idx="2"/>
-          </p:cNvCxnSpPr>
-          <p:nvPr/>
-        </p:nvCxnSpPr>
-        <p:spPr>
-          <a:xfrm flipV="1">
-            <a:off x="6110274" y="2743200"/>
-            <a:ext cx="874045" cy="1097278"/>
-          </a:xfrm>
-          <a:prstGeom prst="straightConnector1">
-            <a:avLst/>
-          </a:prstGeom>
-          <a:ln w="25400">
-            <a:solidFill>
-              <a:schemeClr val="tx1"/>
-            </a:solidFill>
-            <a:headEnd type="triangle" w="med" len="med"/>
-            <a:tailEnd type="triangle" w="med" len="med"/>
-          </a:ln>
-        </p:spPr>
-        <p:style>
-          <a:lnRef idx="1">
-            <a:schemeClr val="accent1"/>
-          </a:lnRef>
-          <a:fillRef idx="0">
-            <a:schemeClr val="accent1"/>
-          </a:fillRef>
-          <a:effectRef idx="0">
-            <a:schemeClr val="accent1"/>
-          </a:effectRef>
-          <a:fontRef idx="minor">
-            <a:schemeClr val="tx1"/>
-          </a:fontRef>
-        </p:style>
-      </p:cxnSp>
-      <p:sp>
-        <p:nvSpPr>
-          <p:cNvPr id="25" name="Cloud 24"/>
-          <p:cNvSpPr/>
-          <p:nvPr/>
-        </p:nvSpPr>
-        <p:spPr>
-          <a:xfrm>
-            <a:off x="4992066" y="2891307"/>
-            <a:ext cx="1043189" cy="682579"/>
-          </a:xfrm>
-          <a:prstGeom prst="cloud">
-            <a:avLst/>
-          </a:prstGeom>
-          <a:solidFill>
-            <a:schemeClr val="bg1"/>
-          </a:solidFill>
-        </p:spPr>
-        <p:style>
-          <a:lnRef idx="2">
-            <a:schemeClr val="accent1">
-              <a:shade val="50000"/>
-            </a:schemeClr>
-          </a:lnRef>
-          <a:fillRef idx="1">
-            <a:schemeClr val="accent1"/>
-          </a:fillRef>
-          <a:effectRef idx="0">
-            <a:schemeClr val="accent1"/>
-          </a:effectRef>
-          <a:fontRef idx="minor">
-            <a:schemeClr val="lt1"/>
-          </a:fontRef>
-        </p:style>
-        <p:txBody>
-          <a:bodyPr rtlCol="0" anchor="ctr"/>
-          <a:lstStyle/>
-          <a:p>
-            <a:pPr algn="ctr"/>
-            <a:r>
-              <a:rPr lang="en-US" sz="1200" dirty="0">
-                <a:solidFill>
-                  <a:schemeClr val="tx1"/>
-                </a:solidFill>
-              </a:rPr>
-              <a:t>802.11</a:t>
-            </a:r>
-          </a:p>
-        </p:txBody>
-      </p:sp>
-      <p:sp>
-        <p:nvSpPr>
-          <p:cNvPr id="26" name="Cloud 25"/>
-          <p:cNvSpPr/>
-          <p:nvPr/>
-        </p:nvSpPr>
-        <p:spPr>
-          <a:xfrm>
-            <a:off x="6185293" y="2874992"/>
-            <a:ext cx="1043189" cy="682579"/>
-          </a:xfrm>
-          <a:prstGeom prst="cloud">
-            <a:avLst/>
-          </a:prstGeom>
-          <a:solidFill>
-            <a:schemeClr val="bg1"/>
-          </a:solidFill>
-        </p:spPr>
-        <p:style>
-          <a:lnRef idx="2">
-            <a:schemeClr val="accent1">
-              <a:shade val="50000"/>
-            </a:schemeClr>
-          </a:lnRef>
-          <a:fillRef idx="1">
-            <a:schemeClr val="accent1"/>
-          </a:fillRef>
-          <a:effectRef idx="0">
-            <a:schemeClr val="accent1"/>
-          </a:effectRef>
-          <a:fontRef idx="minor">
-            <a:schemeClr val="lt1"/>
-          </a:fontRef>
-        </p:style>
-        <p:txBody>
-          <a:bodyPr rtlCol="0" anchor="ctr"/>
-          <a:lstStyle/>
-          <a:p>
-            <a:pPr algn="ctr"/>
-            <a:r>
-              <a:rPr lang="en-US" sz="1200" dirty="0">
-                <a:solidFill>
-                  <a:schemeClr val="tx1"/>
-                </a:solidFill>
-              </a:rPr>
-              <a:t>802.11</a:t>
-            </a:r>
-          </a:p>
-        </p:txBody>
-      </p:sp>
-      <p:sp>
-        <p:nvSpPr>
-          <p:cNvPr id="30" name="Cloud 29"/>
-          <p:cNvSpPr/>
-          <p:nvPr/>
-        </p:nvSpPr>
-        <p:spPr>
-          <a:xfrm>
-            <a:off x="5606067" y="4844815"/>
-            <a:ext cx="1043189" cy="682579"/>
-          </a:xfrm>
-          <a:prstGeom prst="cloud">
-            <a:avLst/>
-          </a:prstGeom>
-          <a:solidFill>
-            <a:schemeClr val="bg1"/>
-          </a:solidFill>
-        </p:spPr>
-        <p:style>
-          <a:lnRef idx="2">
-            <a:schemeClr val="accent1">
-              <a:shade val="50000"/>
-            </a:schemeClr>
-          </a:lnRef>
-          <a:fillRef idx="1">
-            <a:schemeClr val="accent1"/>
-          </a:fillRef>
-          <a:effectRef idx="0">
-            <a:schemeClr val="accent1"/>
-          </a:effectRef>
-          <a:fontRef idx="minor">
-            <a:schemeClr val="lt1"/>
-          </a:fontRef>
-        </p:style>
-        <p:txBody>
-          <a:bodyPr rtlCol="0" anchor="ctr"/>
-          <a:lstStyle/>
-          <a:p>
-            <a:pPr algn="ctr"/>
-            <a:r>
-              <a:rPr lang="en-US" sz="1200" dirty="0">
-                <a:solidFill>
-                  <a:schemeClr val="tx1"/>
-                </a:solidFill>
-              </a:rPr>
-              <a:t>802.11</a:t>
-            </a:r>
-          </a:p>
-        </p:txBody>
-      </p:sp>
-      <p:cxnSp>
-        <p:nvCxnSpPr>
-          <p:cNvPr id="39" name="Straight Arrow Connector 38"/>
-          <p:cNvCxnSpPr>
-            <a:stCxn id="10" idx="0"/>
-            <a:endCxn id="7" idx="2"/>
-          </p:cNvCxnSpPr>
-          <p:nvPr/>
-        </p:nvCxnSpPr>
-        <p:spPr>
-          <a:xfrm flipH="1" flipV="1">
-            <a:off x="5198127" y="2298879"/>
-            <a:ext cx="1" cy="148107"/>
-          </a:xfrm>
-          <a:prstGeom prst="straightConnector1">
-            <a:avLst/>
-          </a:prstGeom>
-          <a:ln w="25400">
-            <a:solidFill>
-              <a:schemeClr val="tx1"/>
-            </a:solidFill>
-            <a:tailEnd type="triangle"/>
-          </a:ln>
-        </p:spPr>
-        <p:style>
-          <a:lnRef idx="1">
-            <a:schemeClr val="accent1"/>
-          </a:lnRef>
-          <a:fillRef idx="0">
-            <a:schemeClr val="accent1"/>
-          </a:fillRef>
-          <a:effectRef idx="0">
-            <a:schemeClr val="accent1"/>
-          </a:effectRef>
-          <a:fontRef idx="minor">
-            <a:schemeClr val="tx1"/>
-          </a:fontRef>
-        </p:style>
-      </p:cxnSp>
-      <p:cxnSp>
-        <p:nvCxnSpPr>
-          <p:cNvPr id="41" name="Straight Arrow Connector 40"/>
-          <p:cNvCxnSpPr>
-            <a:stCxn id="12" idx="0"/>
-            <a:endCxn id="11" idx="2"/>
-          </p:cNvCxnSpPr>
-          <p:nvPr/>
-        </p:nvCxnSpPr>
-        <p:spPr>
-          <a:xfrm flipH="1" flipV="1">
-            <a:off x="6984318" y="2298879"/>
-            <a:ext cx="1" cy="148107"/>
-          </a:xfrm>
-          <a:prstGeom prst="straightConnector1">
-            <a:avLst/>
-          </a:prstGeom>
-          <a:ln w="25400">
-            <a:solidFill>
-              <a:schemeClr val="tx1"/>
-            </a:solidFill>
-            <a:tailEnd type="triangle"/>
-          </a:ln>
-        </p:spPr>
-        <p:style>
-          <a:lnRef idx="1">
-            <a:schemeClr val="accent1"/>
-          </a:lnRef>
-          <a:fillRef idx="0">
-            <a:schemeClr val="accent1"/>
-          </a:fillRef>
-          <a:effectRef idx="0">
-            <a:schemeClr val="accent1"/>
-          </a:effectRef>
-          <a:fontRef idx="minor">
-            <a:schemeClr val="tx1"/>
-          </a:fontRef>
-        </p:style>
-      </p:cxnSp>
-      <p:sp>
-        <p:nvSpPr>
-          <p:cNvPr id="43" name="Thought Bubble: Cloud 42"/>
-          <p:cNvSpPr/>
-          <p:nvPr/>
-        </p:nvSpPr>
-        <p:spPr>
-          <a:xfrm>
-            <a:off x="3899992" y="2311758"/>
-            <a:ext cx="728245" cy="476090"/>
-          </a:xfrm>
-          <a:prstGeom prst="cloudCallout">
-            <a:avLst>
-              <a:gd name="adj1" fmla="val 110648"/>
-              <a:gd name="adj2" fmla="val -40621"/>
-            </a:avLst>
-          </a:prstGeom>
-          <a:solidFill>
-            <a:schemeClr val="bg1"/>
-          </a:solidFill>
-        </p:spPr>
-        <p:style>
-          <a:lnRef idx="2">
-            <a:schemeClr val="accent1">
-              <a:shade val="50000"/>
-            </a:schemeClr>
-          </a:lnRef>
-          <a:fillRef idx="1">
-            <a:schemeClr val="accent1"/>
-          </a:fillRef>
-          <a:effectRef idx="0">
-            <a:schemeClr val="accent1"/>
-          </a:effectRef>
-          <a:fontRef idx="minor">
-            <a:schemeClr val="lt1"/>
-          </a:fontRef>
-        </p:style>
-        <p:txBody>
-          <a:bodyPr rtlCol="0" anchor="ctr"/>
-          <a:lstStyle/>
-          <a:p>
-            <a:pPr algn="ctr"/>
-            <a:r>
-              <a:rPr lang="en-US" sz="1200" dirty="0">
-                <a:solidFill>
-                  <a:schemeClr val="tx1"/>
-                </a:solidFill>
-              </a:rPr>
-              <a:t>RC</a:t>
-            </a:r>
-            <a:endParaRPr lang="en-US" dirty="0">
-              <a:solidFill>
-                <a:schemeClr val="tx1"/>
-              </a:solidFill>
-            </a:endParaRPr>
-          </a:p>
-        </p:txBody>
-      </p:sp>
-      <p:sp>
-        <p:nvSpPr>
-          <p:cNvPr id="44" name="Thought Bubble: Cloud 43"/>
-          <p:cNvSpPr/>
-          <p:nvPr/>
-        </p:nvSpPr>
-        <p:spPr>
-          <a:xfrm>
-            <a:off x="7553912" y="2282995"/>
-            <a:ext cx="728245" cy="476090"/>
-          </a:xfrm>
-          <a:prstGeom prst="cloudCallout">
-            <a:avLst>
-              <a:gd name="adj1" fmla="val -110412"/>
-              <a:gd name="adj2" fmla="val -29801"/>
-            </a:avLst>
-          </a:prstGeom>
-          <a:solidFill>
-            <a:schemeClr val="bg1"/>
-          </a:solidFill>
-        </p:spPr>
-        <p:style>
-          <a:lnRef idx="2">
-            <a:schemeClr val="accent1">
-              <a:shade val="50000"/>
-            </a:schemeClr>
-          </a:lnRef>
-          <a:fillRef idx="1">
-            <a:schemeClr val="accent1"/>
-          </a:fillRef>
-          <a:effectRef idx="0">
-            <a:schemeClr val="accent1"/>
-          </a:effectRef>
-          <a:fontRef idx="minor">
-            <a:schemeClr val="lt1"/>
-          </a:fontRef>
-        </p:style>
-        <p:txBody>
-          <a:bodyPr rtlCol="0" anchor="ctr"/>
-          <a:lstStyle/>
-          <a:p>
-            <a:pPr algn="ctr"/>
-            <a:r>
-              <a:rPr lang="en-US" sz="1200" dirty="0">
-                <a:solidFill>
-                  <a:schemeClr val="tx1"/>
-                </a:solidFill>
-              </a:rPr>
-              <a:t>RC</a:t>
-            </a:r>
-            <a:endParaRPr lang="en-US" dirty="0">
               <a:solidFill>
                 <a:schemeClr val="tx1"/>
               </a:solidFill>
